--- a/EDA-MTApptx.pptx
+++ b/EDA-MTApptx.pptx
@@ -118,6 +118,11 @@
       </a:defRPr>
     </a:lvl9pPr>
   </p:defaultTextStyle>
+  <p:extLst>
+    <p:ext uri="{EFAFB233-063F-42B5-8137-9DF3F51BA10A}">
+      <p15:sldGuideLst xmlns:p15="http://schemas.microsoft.com/office/powerpoint/2012/main"/>
+    </p:ext>
+  </p:extLst>
 </p:presentation>
 </file>
 
@@ -1135,7 +1140,7 @@
         <a:p>
           <a:r>
             <a:rPr lang="en-US" dirty="0"/>
-            <a:t>107 duplicates removal </a:t>
+            <a:t>107 duplicates removed </a:t>
           </a:r>
         </a:p>
       </dgm:t>
@@ -1759,7 +1764,7 @@
           </a:pPr>
           <a:r>
             <a:rPr lang="en-US" sz="1900" kern="1200" dirty="0"/>
-            <a:t>107 duplicates removal </a:t>
+            <a:t>107 duplicates removed </a:t>
           </a:r>
         </a:p>
       </dsp:txBody>
@@ -3491,7 +3496,7 @@
           <a:p>
             <a:fld id="{B45B92B7-F357-4AF6-BE63-5DAC4962F495}" type="datetimeFigureOut">
               <a:rPr lang="en-US" smtClean="0"/>
-              <a:t>9/30/2021</a:t>
+              <a:t>12/26/2021</a:t>
             </a:fld>
             <a:endParaRPr lang="en-US"/>
           </a:p>
@@ -4579,7 +4584,7 @@
           <a:p>
             <a:fld id="{B45B92B7-F357-4AF6-BE63-5DAC4962F495}" type="datetimeFigureOut">
               <a:rPr lang="en-US" smtClean="0"/>
-              <a:t>9/30/2021</a:t>
+              <a:t>12/26/2021</a:t>
             </a:fld>
             <a:endParaRPr lang="en-US"/>
           </a:p>
@@ -5559,7 +5564,7 @@
           <a:p>
             <a:fld id="{B45B92B7-F357-4AF6-BE63-5DAC4962F495}" type="datetimeFigureOut">
               <a:rPr lang="en-US" smtClean="0"/>
-              <a:t>9/30/2021</a:t>
+              <a:t>12/26/2021</a:t>
             </a:fld>
             <a:endParaRPr lang="en-US"/>
           </a:p>
@@ -6693,7 +6698,7 @@
           <a:p>
             <a:fld id="{B45B92B7-F357-4AF6-BE63-5DAC4962F495}" type="datetimeFigureOut">
               <a:rPr lang="en-US" smtClean="0"/>
-              <a:t>9/30/2021</a:t>
+              <a:t>12/26/2021</a:t>
             </a:fld>
             <a:endParaRPr lang="en-US"/>
           </a:p>
@@ -7726,7 +7731,7 @@
           <a:p>
             <a:fld id="{B45B92B7-F357-4AF6-BE63-5DAC4962F495}" type="datetimeFigureOut">
               <a:rPr lang="en-US" smtClean="0"/>
-              <a:t>9/30/2021</a:t>
+              <a:t>12/26/2021</a:t>
             </a:fld>
             <a:endParaRPr lang="en-US"/>
           </a:p>
@@ -8386,7 +8391,7 @@
           <a:p>
             <a:fld id="{B45B92B7-F357-4AF6-BE63-5DAC4962F495}" type="datetimeFigureOut">
               <a:rPr lang="en-US" smtClean="0"/>
-              <a:t>9/30/2021</a:t>
+              <a:t>12/26/2021</a:t>
             </a:fld>
             <a:endParaRPr lang="en-US"/>
           </a:p>
@@ -9247,7 +9252,7 @@
           <a:p>
             <a:fld id="{B45B92B7-F357-4AF6-BE63-5DAC4962F495}" type="datetimeFigureOut">
               <a:rPr lang="en-US" smtClean="0"/>
-              <a:t>9/30/2021</a:t>
+              <a:t>12/26/2021</a:t>
             </a:fld>
             <a:endParaRPr lang="en-US"/>
           </a:p>
@@ -9437,7 +9442,7 @@
           <a:p>
             <a:fld id="{B45B92B7-F357-4AF6-BE63-5DAC4962F495}" type="datetimeFigureOut">
               <a:rPr lang="en-US" smtClean="0"/>
-              <a:t>9/30/2021</a:t>
+              <a:t>12/26/2021</a:t>
             </a:fld>
             <a:endParaRPr lang="en-US"/>
           </a:p>
@@ -10409,7 +10414,7 @@
           <a:p>
             <a:fld id="{B45B92B7-F357-4AF6-BE63-5DAC4962F495}" type="datetimeFigureOut">
               <a:rPr lang="en-US" smtClean="0"/>
-              <a:t>9/30/2021</a:t>
+              <a:t>12/26/2021</a:t>
             </a:fld>
             <a:endParaRPr lang="en-US"/>
           </a:p>
@@ -10620,7 +10625,7 @@
           <a:p>
             <a:fld id="{B45B92B7-F357-4AF6-BE63-5DAC4962F495}" type="datetimeFigureOut">
               <a:rPr lang="en-US" smtClean="0"/>
-              <a:t>9/30/2021</a:t>
+              <a:t>12/26/2021</a:t>
             </a:fld>
             <a:endParaRPr lang="en-US"/>
           </a:p>
@@ -11654,7 +11659,7 @@
           <a:p>
             <a:fld id="{B45B92B7-F357-4AF6-BE63-5DAC4962F495}" type="datetimeFigureOut">
               <a:rPr lang="en-US" smtClean="0"/>
-              <a:t>9/30/2021</a:t>
+              <a:t>12/26/2021</a:t>
             </a:fld>
             <a:endParaRPr lang="en-US"/>
           </a:p>
@@ -11926,7 +11931,7 @@
           <a:p>
             <a:fld id="{B45B92B7-F357-4AF6-BE63-5DAC4962F495}" type="datetimeFigureOut">
               <a:rPr lang="en-US" smtClean="0"/>
-              <a:t>9/30/2021</a:t>
+              <a:t>12/26/2021</a:t>
             </a:fld>
             <a:endParaRPr lang="en-US"/>
           </a:p>
@@ -12336,7 +12341,7 @@
           <a:p>
             <a:fld id="{B45B92B7-F357-4AF6-BE63-5DAC4962F495}" type="datetimeFigureOut">
               <a:rPr lang="en-US" smtClean="0"/>
-              <a:t>9/30/2021</a:t>
+              <a:t>12/26/2021</a:t>
             </a:fld>
             <a:endParaRPr lang="en-US"/>
           </a:p>
@@ -12463,7 +12468,7 @@
           <a:p>
             <a:fld id="{B45B92B7-F357-4AF6-BE63-5DAC4962F495}" type="datetimeFigureOut">
               <a:rPr lang="en-US" smtClean="0"/>
-              <a:t>9/30/2021</a:t>
+              <a:t>12/26/2021</a:t>
             </a:fld>
             <a:endParaRPr lang="en-US"/>
           </a:p>
@@ -12558,7 +12563,7 @@
           <a:p>
             <a:fld id="{B45B92B7-F357-4AF6-BE63-5DAC4962F495}" type="datetimeFigureOut">
               <a:rPr lang="en-US" smtClean="0"/>
-              <a:t>9/30/2021</a:t>
+              <a:t>12/26/2021</a:t>
             </a:fld>
             <a:endParaRPr lang="en-US"/>
           </a:p>
@@ -13639,7 +13644,7 @@
           <a:p>
             <a:fld id="{B45B92B7-F357-4AF6-BE63-5DAC4962F495}" type="datetimeFigureOut">
               <a:rPr lang="en-US" smtClean="0"/>
-              <a:t>9/30/2021</a:t>
+              <a:t>12/26/2021</a:t>
             </a:fld>
             <a:endParaRPr lang="en-US"/>
           </a:p>
@@ -14747,7 +14752,7 @@
           <a:p>
             <a:fld id="{B45B92B7-F357-4AF6-BE63-5DAC4962F495}" type="datetimeFigureOut">
               <a:rPr lang="en-US" smtClean="0"/>
-              <a:t>9/30/2021</a:t>
+              <a:t>12/26/2021</a:t>
             </a:fld>
             <a:endParaRPr lang="en-US"/>
           </a:p>
@@ -15744,7 +15749,7 @@
           <a:p>
             <a:fld id="{B45B92B7-F357-4AF6-BE63-5DAC4962F495}" type="datetimeFigureOut">
               <a:rPr lang="en-US" smtClean="0"/>
-              <a:t>9/30/2021</a:t>
+              <a:t>12/26/2021</a:t>
             </a:fld>
             <a:endParaRPr lang="en-US"/>
           </a:p>
@@ -16454,7 +16459,14 @@
           <a:bodyPr/>
           <a:lstStyle/>
           <a:p>
-            <a:endParaRPr lang="en-US"/>
+            <a:r>
+              <a:rPr lang="en-US" dirty="0"/>
+              <a:t>34 ST-HERALD SQ Station Heatmap</a:t>
+            </a:r>
+            <a:br>
+              <a:rPr lang="en-US" dirty="0"/>
+            </a:br>
+            <a:endParaRPr lang="en-US" dirty="0"/>
           </a:p>
         </p:txBody>
       </p:sp>
@@ -16486,7 +16498,7 @@
           <a:p>
             <a:r>
               <a:rPr lang="en-US" dirty="0"/>
-              <a:t>Distributions across turnstiles are not equal.</a:t>
+              <a:t>Distributions across turnstiles were not equal.</a:t>
             </a:r>
           </a:p>
         </p:txBody>
@@ -16535,7 +16547,7 @@
         </p:nvSpPr>
         <p:spPr>
           <a:xfrm>
-            <a:off x="2074416" y="5148776"/>
+            <a:off x="3219636" y="4714348"/>
             <a:ext cx="8043168" cy="369332"/>
           </a:xfrm>
           <a:prstGeom prst="rect">
@@ -16860,7 +16872,7 @@
         </p:nvSpPr>
         <p:spPr>
           <a:xfrm>
-            <a:off x="2074416" y="5148776"/>
+            <a:off x="1937445" y="4681653"/>
             <a:ext cx="8043168" cy="369332"/>
           </a:xfrm>
           <a:prstGeom prst="rect">
@@ -16983,8 +16995,8 @@
         </p:nvSpPr>
         <p:spPr>
           <a:xfrm>
-            <a:off x="2074416" y="5148776"/>
-            <a:ext cx="8043168" cy="369332"/>
+            <a:off x="2074416" y="4731526"/>
+            <a:ext cx="9537576" cy="369332"/>
           </a:xfrm>
           <a:prstGeom prst="rect">
             <a:avLst/>
@@ -16999,7 +17011,7 @@
           <a:p>
             <a:r>
               <a:rPr lang="en-US" dirty="0"/>
-              <a:t>Sample of one line Turnstiles in Times SQ-42 </a:t>
+              <a:t>Sample of one line’s Turnstiles in Times SQ-42 </a:t>
             </a:r>
             <a:r>
               <a:rPr lang="en-US" dirty="0" err="1"/>
@@ -17196,7 +17208,7 @@
         </p:nvSpPr>
         <p:spPr>
           <a:xfrm>
-            <a:off x="561110" y="973668"/>
+            <a:off x="554750" y="566225"/>
             <a:ext cx="4177867" cy="1391692"/>
           </a:xfrm>
         </p:spPr>
@@ -17207,7 +17219,7 @@
           <a:lstStyle/>
           <a:p>
             <a:r>
-              <a:rPr lang="en-US" sz="3300">
+              <a:rPr lang="en-US" sz="3300" dirty="0">
                 <a:solidFill>
                   <a:schemeClr val="tx2"/>
                 </a:solidFill>
@@ -17235,7 +17247,7 @@
         </p:nvSpPr>
         <p:spPr>
           <a:xfrm>
-            <a:off x="561110" y="2603500"/>
+            <a:off x="554750" y="2065770"/>
             <a:ext cx="4072673" cy="3416300"/>
           </a:xfrm>
         </p:spPr>
@@ -17247,13 +17259,13 @@
           <a:p>
             <a:r>
               <a:rPr lang="en-US" dirty="0"/>
-              <a:t>Install flow control.</a:t>
+              <a:t>Install flow control to distribute people across gates.</a:t>
             </a:r>
           </a:p>
           <a:p>
             <a:r>
               <a:rPr lang="en-US" dirty="0"/>
-              <a:t>Replace mechanism for over- crowded lines.</a:t>
+              <a:t>Replace mechanism or add gates to TIMES SQ-42 ST  stations.</a:t>
             </a:r>
           </a:p>
         </p:txBody>
@@ -17727,6 +17739,379 @@
             <a:noFill/>
           </a:ln>
         </p:spPr>
+      </p:sp>
+      <p:sp>
+        <p:nvSpPr>
+          <p:cNvPr id="9" name="عنوان 1">
+            <a:extLst>
+              <a:ext uri="{FF2B5EF4-FFF2-40B4-BE49-F238E27FC236}">
+                <a16:creationId xmlns:a16="http://schemas.microsoft.com/office/drawing/2014/main" id="{13ADCFEB-13C9-4B22-A7C9-0236ED6267D7}"/>
+              </a:ext>
+            </a:extLst>
+          </p:cNvPr>
+          <p:cNvSpPr txBox="1">
+            <a:spLocks/>
+          </p:cNvSpPr>
+          <p:nvPr/>
+        </p:nvSpPr>
+        <p:spPr bwMode="gray">
+          <a:xfrm>
+            <a:off x="561109" y="3915834"/>
+            <a:ext cx="4177867" cy="1391692"/>
+          </a:xfrm>
+          <a:prstGeom prst="rect">
+            <a:avLst/>
+          </a:prstGeom>
+        </p:spPr>
+        <p:txBody>
+          <a:bodyPr vert="horz" lIns="91440" tIns="45720" rIns="91440" bIns="45720" rtlCol="0" anchor="ctr">
+            <a:normAutofit/>
+          </a:bodyPr>
+          <a:lstStyle>
+            <a:lvl1pPr algn="l" defTabSz="457200" rtl="0" eaLnBrk="1" latinLnBrk="0" hangingPunct="1">
+              <a:spcBef>
+                <a:spcPct val="0"/>
+              </a:spcBef>
+              <a:buNone/>
+              <a:defRPr sz="3600" b="0" i="0" kern="1200">
+                <a:solidFill>
+                  <a:schemeClr val="bg2"/>
+                </a:solidFill>
+                <a:latin typeface="+mj-lt"/>
+                <a:ea typeface="+mj-ea"/>
+                <a:cs typeface="+mj-cs"/>
+              </a:defRPr>
+            </a:lvl1pPr>
+            <a:lvl2pPr eaLnBrk="1" hangingPunct="1">
+              <a:defRPr>
+                <a:solidFill>
+                  <a:schemeClr val="tx2"/>
+                </a:solidFill>
+              </a:defRPr>
+            </a:lvl2pPr>
+            <a:lvl3pPr eaLnBrk="1" hangingPunct="1">
+              <a:defRPr>
+                <a:solidFill>
+                  <a:schemeClr val="tx2"/>
+                </a:solidFill>
+              </a:defRPr>
+            </a:lvl3pPr>
+            <a:lvl4pPr eaLnBrk="1" hangingPunct="1">
+              <a:defRPr>
+                <a:solidFill>
+                  <a:schemeClr val="tx2"/>
+                </a:solidFill>
+              </a:defRPr>
+            </a:lvl4pPr>
+            <a:lvl5pPr eaLnBrk="1" hangingPunct="1">
+              <a:defRPr>
+                <a:solidFill>
+                  <a:schemeClr val="tx2"/>
+                </a:solidFill>
+              </a:defRPr>
+            </a:lvl5pPr>
+            <a:lvl6pPr eaLnBrk="1" hangingPunct="1">
+              <a:defRPr>
+                <a:solidFill>
+                  <a:schemeClr val="tx2"/>
+                </a:solidFill>
+              </a:defRPr>
+            </a:lvl6pPr>
+            <a:lvl7pPr eaLnBrk="1" hangingPunct="1">
+              <a:defRPr>
+                <a:solidFill>
+                  <a:schemeClr val="tx2"/>
+                </a:solidFill>
+              </a:defRPr>
+            </a:lvl7pPr>
+            <a:lvl8pPr eaLnBrk="1" hangingPunct="1">
+              <a:defRPr>
+                <a:solidFill>
+                  <a:schemeClr val="tx2"/>
+                </a:solidFill>
+              </a:defRPr>
+            </a:lvl8pPr>
+            <a:lvl9pPr eaLnBrk="1" hangingPunct="1">
+              <a:defRPr>
+                <a:solidFill>
+                  <a:schemeClr val="tx2"/>
+                </a:solidFill>
+              </a:defRPr>
+            </a:lvl9pPr>
+          </a:lstStyle>
+          <a:p>
+            <a:r>
+              <a:rPr lang="en-US" sz="3300" dirty="0">
+                <a:solidFill>
+                  <a:schemeClr val="tx2"/>
+                </a:solidFill>
+              </a:rPr>
+              <a:t>Future work</a:t>
+            </a:r>
+          </a:p>
+        </p:txBody>
+      </p:sp>
+      <p:sp>
+        <p:nvSpPr>
+          <p:cNvPr id="10" name="عنصر نائب للمحتوى 2">
+            <a:extLst>
+              <a:ext uri="{FF2B5EF4-FFF2-40B4-BE49-F238E27FC236}">
+                <a16:creationId xmlns:a16="http://schemas.microsoft.com/office/drawing/2014/main" id="{DCC592D8-EB09-4A6A-8DC3-45953D77DB67}"/>
+              </a:ext>
+            </a:extLst>
+          </p:cNvPr>
+          <p:cNvSpPr txBox="1">
+            <a:spLocks/>
+          </p:cNvSpPr>
+          <p:nvPr/>
+        </p:nvSpPr>
+        <p:spPr>
+          <a:xfrm>
+            <a:off x="561109" y="5036523"/>
+            <a:ext cx="4072673" cy="1515198"/>
+          </a:xfrm>
+          <a:prstGeom prst="rect">
+            <a:avLst/>
+          </a:prstGeom>
+        </p:spPr>
+        <p:txBody>
+          <a:bodyPr vert="horz" lIns="91440" tIns="45720" rIns="91440" bIns="45720" rtlCol="0">
+            <a:normAutofit/>
+          </a:bodyPr>
+          <a:lstStyle>
+            <a:lvl1pPr marL="342900" indent="-342900" algn="l" defTabSz="457200" rtl="0" eaLnBrk="1" latinLnBrk="0" hangingPunct="1">
+              <a:spcBef>
+                <a:spcPts val="1000"/>
+              </a:spcBef>
+              <a:spcAft>
+                <a:spcPts val="0"/>
+              </a:spcAft>
+              <a:buClr>
+                <a:schemeClr val="accent1"/>
+              </a:buClr>
+              <a:buSzPct val="80000"/>
+              <a:buFont typeface="Wingdings 3" charset="2"/>
+              <a:buChar char=""/>
+              <a:defRPr sz="1800" b="0" i="0" kern="1200">
+                <a:solidFill>
+                  <a:schemeClr val="tx1">
+                    <a:lumMod val="75000"/>
+                    <a:lumOff val="25000"/>
+                  </a:schemeClr>
+                </a:solidFill>
+                <a:latin typeface="+mn-lt"/>
+                <a:ea typeface="+mn-ea"/>
+                <a:cs typeface="+mn-cs"/>
+              </a:defRPr>
+            </a:lvl1pPr>
+            <a:lvl2pPr marL="742950" indent="-285750" algn="l" defTabSz="457200" rtl="0" eaLnBrk="1" latinLnBrk="0" hangingPunct="1">
+              <a:spcBef>
+                <a:spcPts val="1000"/>
+              </a:spcBef>
+              <a:spcAft>
+                <a:spcPts val="0"/>
+              </a:spcAft>
+              <a:buClr>
+                <a:schemeClr val="accent1"/>
+              </a:buClr>
+              <a:buSzPct val="80000"/>
+              <a:buFont typeface="Wingdings 3" charset="2"/>
+              <a:buChar char=""/>
+              <a:defRPr sz="1600" b="0" i="0" kern="1200">
+                <a:solidFill>
+                  <a:schemeClr val="tx1">
+                    <a:lumMod val="75000"/>
+                    <a:lumOff val="25000"/>
+                  </a:schemeClr>
+                </a:solidFill>
+                <a:latin typeface="+mn-lt"/>
+                <a:ea typeface="+mn-ea"/>
+                <a:cs typeface="+mn-cs"/>
+              </a:defRPr>
+            </a:lvl2pPr>
+            <a:lvl3pPr marL="1143000" indent="-228600" algn="l" defTabSz="457200" rtl="0" eaLnBrk="1" latinLnBrk="0" hangingPunct="1">
+              <a:spcBef>
+                <a:spcPts val="1000"/>
+              </a:spcBef>
+              <a:spcAft>
+                <a:spcPts val="0"/>
+              </a:spcAft>
+              <a:buClr>
+                <a:schemeClr val="accent1"/>
+              </a:buClr>
+              <a:buSzPct val="80000"/>
+              <a:buFont typeface="Wingdings 3" charset="2"/>
+              <a:buChar char=""/>
+              <a:defRPr sz="1400" b="0" i="0" kern="1200">
+                <a:solidFill>
+                  <a:schemeClr val="tx1">
+                    <a:lumMod val="75000"/>
+                    <a:lumOff val="25000"/>
+                  </a:schemeClr>
+                </a:solidFill>
+                <a:latin typeface="+mn-lt"/>
+                <a:ea typeface="+mn-ea"/>
+                <a:cs typeface="+mn-cs"/>
+              </a:defRPr>
+            </a:lvl3pPr>
+            <a:lvl4pPr marL="1600200" indent="-228600" algn="l" defTabSz="457200" rtl="0" eaLnBrk="1" latinLnBrk="0" hangingPunct="1">
+              <a:spcBef>
+                <a:spcPts val="1000"/>
+              </a:spcBef>
+              <a:spcAft>
+                <a:spcPts val="0"/>
+              </a:spcAft>
+              <a:buClr>
+                <a:schemeClr val="accent1"/>
+              </a:buClr>
+              <a:buSzPct val="80000"/>
+              <a:buFont typeface="Wingdings 3" charset="2"/>
+              <a:buChar char=""/>
+              <a:defRPr sz="1200" b="0" i="0" kern="1200">
+                <a:solidFill>
+                  <a:schemeClr val="tx1">
+                    <a:lumMod val="75000"/>
+                    <a:lumOff val="25000"/>
+                  </a:schemeClr>
+                </a:solidFill>
+                <a:latin typeface="+mn-lt"/>
+                <a:ea typeface="+mn-ea"/>
+                <a:cs typeface="+mn-cs"/>
+              </a:defRPr>
+            </a:lvl4pPr>
+            <a:lvl5pPr marL="2057400" indent="-228600" algn="l" defTabSz="457200" rtl="0" eaLnBrk="1" latinLnBrk="0" hangingPunct="1">
+              <a:spcBef>
+                <a:spcPts val="1000"/>
+              </a:spcBef>
+              <a:spcAft>
+                <a:spcPts val="0"/>
+              </a:spcAft>
+              <a:buClr>
+                <a:schemeClr val="accent1"/>
+              </a:buClr>
+              <a:buSzPct val="80000"/>
+              <a:buFont typeface="Wingdings 3" charset="2"/>
+              <a:buChar char=""/>
+              <a:defRPr sz="1200" b="0" i="0" kern="1200">
+                <a:solidFill>
+                  <a:schemeClr val="tx1">
+                    <a:lumMod val="75000"/>
+                    <a:lumOff val="25000"/>
+                  </a:schemeClr>
+                </a:solidFill>
+                <a:latin typeface="+mn-lt"/>
+                <a:ea typeface="+mn-ea"/>
+                <a:cs typeface="+mn-cs"/>
+              </a:defRPr>
+            </a:lvl5pPr>
+            <a:lvl6pPr marL="2514600" indent="-228600" algn="l" defTabSz="457200" rtl="0" eaLnBrk="1" latinLnBrk="0" hangingPunct="1">
+              <a:spcBef>
+                <a:spcPts val="1000"/>
+              </a:spcBef>
+              <a:spcAft>
+                <a:spcPts val="0"/>
+              </a:spcAft>
+              <a:buClr>
+                <a:schemeClr val="accent1"/>
+              </a:buClr>
+              <a:buSzPct val="80000"/>
+              <a:buFont typeface="Wingdings 3" charset="2"/>
+              <a:buChar char=""/>
+              <a:defRPr sz="1200" b="0" i="0" kern="1200">
+                <a:solidFill>
+                  <a:schemeClr val="tx1">
+                    <a:lumMod val="75000"/>
+                    <a:lumOff val="25000"/>
+                  </a:schemeClr>
+                </a:solidFill>
+                <a:latin typeface="+mn-lt"/>
+                <a:ea typeface="+mn-ea"/>
+                <a:cs typeface="+mn-cs"/>
+              </a:defRPr>
+            </a:lvl6pPr>
+            <a:lvl7pPr marL="2971800" indent="-228600" algn="l" defTabSz="457200" rtl="0" eaLnBrk="1" latinLnBrk="0" hangingPunct="1">
+              <a:spcBef>
+                <a:spcPts val="1000"/>
+              </a:spcBef>
+              <a:spcAft>
+                <a:spcPts val="0"/>
+              </a:spcAft>
+              <a:buClr>
+                <a:schemeClr val="accent1"/>
+              </a:buClr>
+              <a:buSzPct val="80000"/>
+              <a:buFont typeface="Wingdings 3" charset="2"/>
+              <a:buChar char=""/>
+              <a:defRPr sz="1200" b="0" i="0" kern="1200">
+                <a:solidFill>
+                  <a:schemeClr val="tx1">
+                    <a:lumMod val="75000"/>
+                    <a:lumOff val="25000"/>
+                  </a:schemeClr>
+                </a:solidFill>
+                <a:latin typeface="+mn-lt"/>
+                <a:ea typeface="+mn-ea"/>
+                <a:cs typeface="+mn-cs"/>
+              </a:defRPr>
+            </a:lvl7pPr>
+            <a:lvl8pPr marL="3429000" indent="-228600" algn="l" defTabSz="457200" rtl="0" eaLnBrk="1" latinLnBrk="0" hangingPunct="1">
+              <a:spcBef>
+                <a:spcPts val="1000"/>
+              </a:spcBef>
+              <a:spcAft>
+                <a:spcPts val="0"/>
+              </a:spcAft>
+              <a:buClr>
+                <a:schemeClr val="accent1"/>
+              </a:buClr>
+              <a:buSzPct val="80000"/>
+              <a:buFont typeface="Wingdings 3" charset="2"/>
+              <a:buChar char=""/>
+              <a:defRPr sz="1200" b="0" i="0" kern="1200">
+                <a:solidFill>
+                  <a:schemeClr val="tx1">
+                    <a:lumMod val="75000"/>
+                    <a:lumOff val="25000"/>
+                  </a:schemeClr>
+                </a:solidFill>
+                <a:latin typeface="+mn-lt"/>
+                <a:ea typeface="+mn-ea"/>
+                <a:cs typeface="+mn-cs"/>
+              </a:defRPr>
+            </a:lvl8pPr>
+            <a:lvl9pPr marL="3886200" indent="-228600" algn="l" defTabSz="457200" rtl="0" eaLnBrk="1" latinLnBrk="0" hangingPunct="1">
+              <a:spcBef>
+                <a:spcPts val="1000"/>
+              </a:spcBef>
+              <a:spcAft>
+                <a:spcPts val="0"/>
+              </a:spcAft>
+              <a:buClr>
+                <a:schemeClr val="accent1"/>
+              </a:buClr>
+              <a:buSzPct val="80000"/>
+              <a:buFont typeface="Wingdings 3" charset="2"/>
+              <a:buChar char=""/>
+              <a:defRPr sz="1200" b="0" i="0" kern="1200">
+                <a:solidFill>
+                  <a:schemeClr val="tx1">
+                    <a:lumMod val="75000"/>
+                    <a:lumOff val="25000"/>
+                  </a:schemeClr>
+                </a:solidFill>
+                <a:latin typeface="+mn-lt"/>
+                <a:ea typeface="+mn-ea"/>
+                <a:cs typeface="+mn-cs"/>
+              </a:defRPr>
+            </a:lvl9pPr>
+          </a:lstStyle>
+          <a:p>
+            <a:r>
+              <a:rPr lang="en-US" dirty="0"/>
+              <a:t>Apply T-test to identify congested lines systematically.</a:t>
+            </a:r>
+          </a:p>
+        </p:txBody>
       </p:sp>
     </p:spTree>
     <p:extLst>
@@ -19327,7 +19712,7 @@
             <p:ph idx="1"/>
             <p:extLst>
               <p:ext uri="{D42A27DB-BD31-4B8C-83A1-F6EECF244321}">
-                <p14:modId xmlns:p14="http://schemas.microsoft.com/office/powerpoint/2010/main" val="1796656780"/>
+                <p14:modId xmlns:p14="http://schemas.microsoft.com/office/powerpoint/2010/main" val="1044748978"/>
               </p:ext>
             </p:extLst>
           </p:nvPr>
@@ -19520,6 +19905,76 @@
           </a:p>
         </p:txBody>
       </p:sp>
+      <p:sp>
+        <p:nvSpPr>
+          <p:cNvPr id="3" name="TextBox 2">
+            <a:extLst>
+              <a:ext uri="{FF2B5EF4-FFF2-40B4-BE49-F238E27FC236}">
+                <a16:creationId xmlns:a16="http://schemas.microsoft.com/office/drawing/2014/main" id="{A744D87D-BCA9-45E1-8C38-D254686BEA5C}"/>
+              </a:ext>
+            </a:extLst>
+          </p:cNvPr>
+          <p:cNvSpPr txBox="1"/>
+          <p:nvPr/>
+        </p:nvSpPr>
+        <p:spPr>
+          <a:xfrm>
+            <a:off x="1290411" y="5884332"/>
+            <a:ext cx="3009530" cy="369332"/>
+          </a:xfrm>
+          <a:prstGeom prst="rect">
+            <a:avLst/>
+          </a:prstGeom>
+          <a:noFill/>
+        </p:spPr>
+        <p:txBody>
+          <a:bodyPr wrap="square" rtlCol="0">
+            <a:spAutoFit/>
+          </a:bodyPr>
+          <a:lstStyle/>
+          <a:p>
+            <a:r>
+              <a:rPr lang="en-US" dirty="0"/>
+              <a:t>Distributed 4 hours blocks</a:t>
+            </a:r>
+          </a:p>
+        </p:txBody>
+      </p:sp>
+      <p:sp>
+        <p:nvSpPr>
+          <p:cNvPr id="9" name="TextBox 8">
+            <a:extLst>
+              <a:ext uri="{FF2B5EF4-FFF2-40B4-BE49-F238E27FC236}">
+                <a16:creationId xmlns:a16="http://schemas.microsoft.com/office/drawing/2014/main" id="{E19C4CCB-0897-48BE-8FB9-0B8A34047F60}"/>
+              </a:ext>
+            </a:extLst>
+          </p:cNvPr>
+          <p:cNvSpPr txBox="1"/>
+          <p:nvPr/>
+        </p:nvSpPr>
+        <p:spPr>
+          <a:xfrm>
+            <a:off x="7231232" y="5884332"/>
+            <a:ext cx="3009530" cy="369332"/>
+          </a:xfrm>
+          <a:prstGeom prst="rect">
+            <a:avLst/>
+          </a:prstGeom>
+          <a:noFill/>
+        </p:spPr>
+        <p:txBody>
+          <a:bodyPr wrap="square" rtlCol="0">
+            <a:spAutoFit/>
+          </a:bodyPr>
+          <a:lstStyle/>
+          <a:p>
+            <a:r>
+              <a:rPr lang="en-US" dirty="0"/>
+              <a:t>Unified 4 hours blocks</a:t>
+            </a:r>
+          </a:p>
+        </p:txBody>
+      </p:sp>
     </p:spTree>
     <p:extLst>
       <p:ext uri="{BB962C8B-B14F-4D97-AF65-F5344CB8AC3E}">
@@ -19608,8 +20063,8 @@
         </p:blipFill>
         <p:spPr>
           <a:xfrm>
-            <a:off x="6167021" y="2975623"/>
-            <a:ext cx="5951835" cy="3254310"/>
+            <a:off x="6502894" y="3246460"/>
+            <a:ext cx="4922566" cy="2691532"/>
           </a:xfrm>
         </p:spPr>
       </p:pic>
@@ -19641,8 +20096,8 @@
         </p:blipFill>
         <p:spPr>
           <a:xfrm>
-            <a:off x="215186" y="2975623"/>
-            <a:ext cx="5633085" cy="3092320"/>
+            <a:off x="417250" y="3263573"/>
+            <a:ext cx="4774072" cy="2620759"/>
           </a:xfrm>
           <a:prstGeom prst="rect">
             <a:avLst/>
@@ -19663,7 +20118,7 @@
         </p:nvSpPr>
         <p:spPr>
           <a:xfrm>
-            <a:off x="720580" y="6229933"/>
+            <a:off x="720579" y="5973771"/>
             <a:ext cx="4622296" cy="369332"/>
           </a:xfrm>
           <a:prstGeom prst="rect">
@@ -19698,7 +20153,7 @@
         </p:nvSpPr>
         <p:spPr>
           <a:xfrm>
-            <a:off x="6597505" y="6284940"/>
+            <a:off x="6849127" y="6003073"/>
             <a:ext cx="4922566" cy="369332"/>
           </a:xfrm>
           <a:prstGeom prst="rect">
@@ -19733,8 +20188,8 @@
         </p:nvSpPr>
         <p:spPr>
           <a:xfrm>
-            <a:off x="3835154" y="2340630"/>
-            <a:ext cx="5335480" cy="369332"/>
+            <a:off x="568172" y="2287436"/>
+            <a:ext cx="5335480" cy="646331"/>
           </a:xfrm>
           <a:prstGeom prst="rect">
             <a:avLst/>
@@ -19749,7 +20204,13 @@
           <a:p>
             <a:r>
               <a:rPr lang="en-US" dirty="0"/>
-              <a:t>Data collection is not systematic</a:t>
+              <a:t>- Data collection was not systematic.</a:t>
+            </a:r>
+          </a:p>
+          <a:p>
+            <a:r>
+              <a:rPr lang="en-US" dirty="0"/>
+              <a:t>- Irregularities was fixed by interpolation.</a:t>
             </a:r>
           </a:p>
         </p:txBody>
